--- a/docs/figures/mic_flow.pptx
+++ b/docs/figures/mic_flow.pptx
@@ -104,6 +104,11 @@
       </a:defRPr>
     </a:lvl9pPr>
   </p:defaultTextStyle>
+  <p:extLst>
+    <p:ext uri="{EFAFB233-063F-42B5-8137-9DF3F51BA10A}">
+      <p15:sldGuideLst xmlns:p15="http://schemas.microsoft.com/office/powerpoint/2012/main"/>
+    </p:ext>
+  </p:extLst>
 </p:presentation>
 </file>
 
@@ -2966,16 +2971,16 @@
       </p:grpSpPr>
       <p:grpSp>
         <p:nvGrpSpPr>
-          <p:cNvPr id="58" name="Group 57"/>
+          <p:cNvPr id="30" name="Group 29"/>
           <p:cNvGrpSpPr/>
           <p:nvPr/>
         </p:nvGrpSpPr>
         <p:grpSpPr>
           <a:xfrm>
-            <a:off x="1427932" y="533400"/>
-            <a:ext cx="8747764" cy="4531178"/>
-            <a:chOff x="1427932" y="533400"/>
-            <a:chExt cx="8747764" cy="4531178"/>
+            <a:off x="748407" y="1090749"/>
+            <a:ext cx="10555879" cy="3889189"/>
+            <a:chOff x="748407" y="1090749"/>
+            <a:chExt cx="10555879" cy="3889189"/>
           </a:xfrm>
         </p:grpSpPr>
         <p:cxnSp>
@@ -2988,7 +2993,7 @@
           </p:nvCxnSpPr>
           <p:spPr>
             <a:xfrm flipH="1">
-              <a:off x="5794737" y="2609851"/>
+              <a:off x="5115212" y="3167200"/>
               <a:ext cx="544" cy="1394459"/>
             </a:xfrm>
             <a:prstGeom prst="line">
@@ -3029,7 +3034,7 @@
           </p:nvCxnSpPr>
           <p:spPr>
             <a:xfrm>
-              <a:off x="2268311" y="2527120"/>
+              <a:off x="1588786" y="3084469"/>
               <a:ext cx="1632856" cy="0"/>
             </a:xfrm>
             <a:prstGeom prst="line">
@@ -3067,7 +3072,7 @@
           </p:nvSpPr>
           <p:spPr>
             <a:xfrm>
-              <a:off x="2094139" y="2444388"/>
+              <a:off x="1414614" y="3001737"/>
               <a:ext cx="174172" cy="165463"/>
             </a:xfrm>
             <a:prstGeom prst="ellipse">
@@ -3120,7 +3125,7 @@
           </p:nvSpPr>
           <p:spPr>
             <a:xfrm>
-              <a:off x="3901167" y="2444388"/>
+              <a:off x="3221642" y="3001737"/>
               <a:ext cx="174172" cy="165463"/>
             </a:xfrm>
             <a:prstGeom prst="ellipse">
@@ -3173,7 +3178,7 @@
           </p:nvSpPr>
           <p:spPr>
             <a:xfrm>
-              <a:off x="5708195" y="2444388"/>
+              <a:off x="5028670" y="3001737"/>
               <a:ext cx="174172" cy="165463"/>
             </a:xfrm>
             <a:prstGeom prst="ellipse">
@@ -3226,7 +3231,7 @@
           </p:nvSpPr>
           <p:spPr>
             <a:xfrm>
-              <a:off x="1427933" y="1551760"/>
+              <a:off x="748408" y="2109109"/>
               <a:ext cx="1506583" cy="766355"/>
             </a:xfrm>
             <a:prstGeom prst="flowChartOffpageConnector">
@@ -3303,7 +3308,7 @@
           </p:nvSpPr>
           <p:spPr>
             <a:xfrm>
-              <a:off x="3234962" y="1551759"/>
+              <a:off x="2555437" y="2109108"/>
               <a:ext cx="1506583" cy="766355"/>
             </a:xfrm>
             <a:prstGeom prst="flowChartOffpageConnector">
@@ -3370,7 +3375,7 @@
           </p:nvSpPr>
           <p:spPr>
             <a:xfrm>
-              <a:off x="5041991" y="1551759"/>
+              <a:off x="4362466" y="2109108"/>
               <a:ext cx="1506583" cy="766355"/>
             </a:xfrm>
             <a:prstGeom prst="flowChartOffpageConnector">
@@ -3437,7 +3442,7 @@
           </p:nvSpPr>
           <p:spPr>
             <a:xfrm>
-              <a:off x="1427932" y="3030857"/>
+              <a:off x="6169495" y="2109108"/>
               <a:ext cx="1506583" cy="766355"/>
             </a:xfrm>
             <a:prstGeom prst="flowChartOffpageConnector">
@@ -3516,7 +3521,7 @@
           </p:nvSpPr>
           <p:spPr>
             <a:xfrm>
-              <a:off x="3234961" y="3030857"/>
+              <a:off x="7976524" y="2109108"/>
               <a:ext cx="1506583" cy="766355"/>
             </a:xfrm>
             <a:prstGeom prst="flowChartOffpageConnector">
@@ -3579,80 +3584,13 @@
         </p:sp>
         <p:sp>
           <p:nvSpPr>
-            <p:cNvPr id="18" name="Flowchart: Off-page Connector 17"/>
-            <p:cNvSpPr/>
-            <p:nvPr/>
-          </p:nvSpPr>
-          <p:spPr>
-            <a:xfrm>
-              <a:off x="6849020" y="1551759"/>
-              <a:ext cx="1506583" cy="766355"/>
-            </a:xfrm>
-            <a:prstGeom prst="flowChartOffpageConnector">
-              <a:avLst/>
-            </a:prstGeom>
-            <a:solidFill>
-              <a:schemeClr val="accent1">
-                <a:lumMod val="20000"/>
-                <a:lumOff val="80000"/>
-              </a:schemeClr>
-            </a:solidFill>
-            <a:ln w="28575">
-              <a:solidFill>
-                <a:schemeClr val="accent1">
-                  <a:lumMod val="75000"/>
-                </a:schemeClr>
-              </a:solidFill>
-            </a:ln>
-          </p:spPr>
-          <p:style>
-            <a:lnRef idx="2">
-              <a:schemeClr val="dk1"/>
-            </a:lnRef>
-            <a:fillRef idx="1">
-              <a:schemeClr val="lt1"/>
-            </a:fillRef>
-            <a:effectRef idx="0">
-              <a:schemeClr val="dk1"/>
-            </a:effectRef>
-            <a:fontRef idx="minor">
-              <a:schemeClr val="dk1"/>
-            </a:fontRef>
-          </p:style>
-          <p:txBody>
-            <a:bodyPr rtlCol="0" anchor="ctr"/>
-            <a:lstStyle/>
-            <a:p>
-              <a:pPr algn="ctr"/>
-              <a:r>
-                <a:rPr lang="en-US" sz="1400" dirty="0" smtClean="0">
-                  <a:solidFill>
-                    <a:schemeClr val="accent1">
-                      <a:lumMod val="50000"/>
-                    </a:schemeClr>
-                  </a:solidFill>
-                </a:rPr>
-                <a:t>mic component upload</a:t>
-              </a:r>
-              <a:endParaRPr lang="en-US" sz="1400" dirty="0">
-                <a:solidFill>
-                  <a:schemeClr val="accent1">
-                    <a:lumMod val="50000"/>
-                  </a:schemeClr>
-                </a:solidFill>
-              </a:endParaRPr>
-            </a:p>
-          </p:txBody>
-        </p:sp>
-        <p:sp>
-          <p:nvSpPr>
             <p:cNvPr id="19" name="Flowchart: Off-page Connector 18"/>
             <p:cNvSpPr/>
             <p:nvPr/>
           </p:nvSpPr>
           <p:spPr>
             <a:xfrm>
-              <a:off x="6862083" y="3030857"/>
+              <a:off x="9797703" y="2109108"/>
               <a:ext cx="1506583" cy="766355"/>
             </a:xfrm>
             <a:prstGeom prst="flowChartOffpageConnector">
@@ -3715,82 +3653,13 @@
         </p:sp>
         <p:sp>
           <p:nvSpPr>
-            <p:cNvPr id="20" name="Flowchart: Off-page Connector 19"/>
-            <p:cNvSpPr/>
-            <p:nvPr/>
-          </p:nvSpPr>
-          <p:spPr>
-            <a:xfrm>
-              <a:off x="8669113" y="3030857"/>
-              <a:ext cx="1506583" cy="766355"/>
-            </a:xfrm>
-            <a:prstGeom prst="flowChartOffpageConnector">
-              <a:avLst/>
-            </a:prstGeom>
-            <a:solidFill>
-              <a:schemeClr val="accent1">
-                <a:lumMod val="20000"/>
-                <a:lumOff val="80000"/>
-              </a:schemeClr>
-            </a:solidFill>
-            <a:ln w="28575">
-              <a:solidFill>
-                <a:schemeClr val="accent1">
-                  <a:lumMod val="75000"/>
-                </a:schemeClr>
-              </a:solidFill>
-            </a:ln>
-          </p:spPr>
-          <p:style>
-            <a:lnRef idx="2">
-              <a:schemeClr val="accent1">
-                <a:shade val="50000"/>
-              </a:schemeClr>
-            </a:lnRef>
-            <a:fillRef idx="1">
-              <a:schemeClr val="accent1"/>
-            </a:fillRef>
-            <a:effectRef idx="0">
-              <a:schemeClr val="accent1"/>
-            </a:effectRef>
-            <a:fontRef idx="minor">
-              <a:schemeClr val="lt1"/>
-            </a:fontRef>
-          </p:style>
-          <p:txBody>
-            <a:bodyPr rtlCol="0" anchor="ctr"/>
-            <a:lstStyle/>
-            <a:p>
-              <a:pPr algn="ctr"/>
-              <a:r>
-                <a:rPr lang="en-US" sz="1400" dirty="0" smtClean="0">
-                  <a:solidFill>
-                    <a:schemeClr val="accent1">
-                      <a:lumMod val="50000"/>
-                    </a:schemeClr>
-                  </a:solidFill>
-                </a:rPr>
-                <a:t>mic image upload</a:t>
-              </a:r>
-              <a:endParaRPr lang="en-US" sz="1400" dirty="0">
-                <a:solidFill>
-                  <a:schemeClr val="accent1">
-                    <a:lumMod val="50000"/>
-                  </a:schemeClr>
-                </a:solidFill>
-              </a:endParaRPr>
-            </a:p>
-          </p:txBody>
-        </p:sp>
-        <p:sp>
-          <p:nvSpPr>
             <p:cNvPr id="21" name="Oval 20"/>
             <p:cNvSpPr/>
             <p:nvPr/>
           </p:nvSpPr>
           <p:spPr>
             <a:xfrm>
-              <a:off x="7515225" y="2444388"/>
+              <a:off x="5028670" y="4561659"/>
               <a:ext cx="174172" cy="165463"/>
             </a:xfrm>
             <a:prstGeom prst="ellipse">
@@ -3846,7 +3715,7 @@
           </p:nvCxnSpPr>
           <p:spPr>
             <a:xfrm>
-              <a:off x="2268311" y="4004310"/>
+              <a:off x="7009874" y="3082561"/>
               <a:ext cx="1632856" cy="0"/>
             </a:xfrm>
             <a:prstGeom prst="line">
@@ -3884,7 +3753,7 @@
           </p:nvSpPr>
           <p:spPr>
             <a:xfrm>
-              <a:off x="2094139" y="3921578"/>
+              <a:off x="6835702" y="2999829"/>
               <a:ext cx="174172" cy="165463"/>
             </a:xfrm>
             <a:prstGeom prst="ellipse">
@@ -3937,7 +3806,7 @@
           </p:nvSpPr>
           <p:spPr>
             <a:xfrm>
-              <a:off x="3901167" y="3921578"/>
+              <a:off x="8642730" y="2999829"/>
               <a:ext cx="174172" cy="165463"/>
             </a:xfrm>
             <a:prstGeom prst="ellipse">
@@ -3990,7 +3859,7 @@
           </p:nvSpPr>
           <p:spPr>
             <a:xfrm>
-              <a:off x="7515225" y="3921578"/>
+              <a:off x="10450845" y="2999829"/>
               <a:ext cx="174172" cy="165463"/>
             </a:xfrm>
             <a:prstGeom prst="ellipse">
@@ -4043,7 +3912,7 @@
           </p:nvSpPr>
           <p:spPr>
             <a:xfrm>
-              <a:off x="9322255" y="3921578"/>
+              <a:off x="10446491" y="4534168"/>
               <a:ext cx="174172" cy="165463"/>
             </a:xfrm>
             <a:prstGeom prst="ellipse">
@@ -4096,7 +3965,7 @@
           </p:nvSpPr>
           <p:spPr>
             <a:xfrm>
-              <a:off x="1427932" y="533400"/>
+              <a:off x="748407" y="1090749"/>
               <a:ext cx="1506584" cy="685800"/>
             </a:xfrm>
             <a:prstGeom prst="roundRect">
@@ -4160,7 +4029,7 @@
           </p:nvSpPr>
           <p:spPr>
             <a:xfrm>
-              <a:off x="3234961" y="538300"/>
+              <a:off x="2555436" y="1095649"/>
               <a:ext cx="1504405" cy="685800"/>
             </a:xfrm>
             <a:prstGeom prst="roundRect">
@@ -4224,7 +4093,7 @@
           </p:nvSpPr>
           <p:spPr>
             <a:xfrm>
-              <a:off x="5041991" y="567149"/>
+              <a:off x="4362466" y="1124498"/>
               <a:ext cx="1506583" cy="685800"/>
             </a:xfrm>
             <a:prstGeom prst="roundRect">
@@ -4288,7 +4157,7 @@
           </p:nvSpPr>
           <p:spPr>
             <a:xfrm>
-              <a:off x="6845755" y="567149"/>
+              <a:off x="3247193" y="3436282"/>
               <a:ext cx="1506583" cy="685800"/>
             </a:xfrm>
             <a:prstGeom prst="roundRect">
@@ -4352,7 +4221,7 @@
           </p:nvSpPr>
           <p:spPr>
             <a:xfrm>
-              <a:off x="1427932" y="4378778"/>
+              <a:off x="6169495" y="1124498"/>
               <a:ext cx="1506583" cy="685800"/>
             </a:xfrm>
             <a:prstGeom prst="roundRect">
@@ -4416,7 +4285,7 @@
           </p:nvSpPr>
           <p:spPr>
             <a:xfrm>
-              <a:off x="3234961" y="4378778"/>
+              <a:off x="7976524" y="1124498"/>
               <a:ext cx="1504405" cy="685800"/>
             </a:xfrm>
             <a:prstGeom prst="roundRect">
@@ -4480,7 +4349,7 @@
           </p:nvSpPr>
           <p:spPr>
             <a:xfrm>
-              <a:off x="6845755" y="4378778"/>
+              <a:off x="9781375" y="1124498"/>
               <a:ext cx="1504405" cy="685800"/>
             </a:xfrm>
             <a:prstGeom prst="roundRect">
@@ -4544,7 +4413,7 @@
           </p:nvSpPr>
           <p:spPr>
             <a:xfrm>
-              <a:off x="8671291" y="4378778"/>
+              <a:off x="8633576" y="3461607"/>
               <a:ext cx="1504405" cy="685800"/>
             </a:xfrm>
             <a:prstGeom prst="roundRect">
@@ -4621,7 +4490,7 @@
           </p:nvCxnSpPr>
           <p:spPr>
             <a:xfrm>
-              <a:off x="4075339" y="2527120"/>
+              <a:off x="3395814" y="3084469"/>
               <a:ext cx="1632856" cy="0"/>
             </a:xfrm>
             <a:prstGeom prst="line">
@@ -4656,14 +4525,14 @@
             <p:cNvPr id="48" name="Straight Connector 47"/>
             <p:cNvCxnSpPr>
               <a:stCxn id="9" idx="6"/>
-              <a:endCxn id="21" idx="2"/>
+              <a:endCxn id="25" idx="2"/>
             </p:cNvCxnSpPr>
             <p:nvPr/>
           </p:nvCxnSpPr>
           <p:spPr>
-            <a:xfrm>
-              <a:off x="5882367" y="2527120"/>
-              <a:ext cx="1632858" cy="0"/>
+            <a:xfrm flipV="1">
+              <a:off x="5202842" y="3082561"/>
+              <a:ext cx="1632860" cy="1908"/>
             </a:xfrm>
             <a:prstGeom prst="line">
               <a:avLst/>
@@ -4703,8 +4572,8 @@
           </p:nvCxnSpPr>
           <p:spPr>
             <a:xfrm>
-              <a:off x="4075339" y="4004310"/>
-              <a:ext cx="3439886" cy="0"/>
+              <a:off x="8816902" y="3082561"/>
+              <a:ext cx="1633943" cy="0"/>
             </a:xfrm>
             <a:prstGeom prst="line">
               <a:avLst/>
@@ -4737,15 +4606,15 @@
           <p:nvCxnSpPr>
             <p:cNvPr id="55" name="Straight Connector 54"/>
             <p:cNvCxnSpPr>
-              <a:stCxn id="27" idx="6"/>
-              <a:endCxn id="28" idx="2"/>
+              <a:stCxn id="27" idx="4"/>
+              <a:endCxn id="28" idx="0"/>
             </p:cNvCxnSpPr>
             <p:nvPr/>
           </p:nvCxnSpPr>
           <p:spPr>
-            <a:xfrm>
-              <a:off x="7689397" y="4004310"/>
-              <a:ext cx="1632858" cy="0"/>
+            <a:xfrm flipH="1">
+              <a:off x="10533577" y="3165292"/>
+              <a:ext cx="4354" cy="1368876"/>
             </a:xfrm>
             <a:prstGeom prst="line">
               <a:avLst/>
@@ -4774,6 +4643,154 @@
             </a:fontRef>
           </p:style>
         </p:cxnSp>
+        <p:sp>
+          <p:nvSpPr>
+            <p:cNvPr id="29" name="Pentagon 28"/>
+            <p:cNvSpPr/>
+            <p:nvPr/>
+          </p:nvSpPr>
+          <p:spPr>
+            <a:xfrm>
+              <a:off x="3247193" y="4261213"/>
+              <a:ext cx="1663382" cy="705660"/>
+            </a:xfrm>
+            <a:prstGeom prst="homePlate">
+              <a:avLst>
+                <a:gd name="adj" fmla="val 23947"/>
+              </a:avLst>
+            </a:prstGeom>
+            <a:solidFill>
+              <a:schemeClr val="accent1">
+                <a:lumMod val="20000"/>
+                <a:lumOff val="80000"/>
+              </a:schemeClr>
+            </a:solidFill>
+            <a:ln w="28575">
+              <a:solidFill>
+                <a:schemeClr val="accent1">
+                  <a:lumMod val="75000"/>
+                </a:schemeClr>
+              </a:solidFill>
+            </a:ln>
+          </p:spPr>
+          <p:style>
+            <a:lnRef idx="2">
+              <a:schemeClr val="dk1"/>
+            </a:lnRef>
+            <a:fillRef idx="1">
+              <a:schemeClr val="lt1"/>
+            </a:fillRef>
+            <a:effectRef idx="0">
+              <a:schemeClr val="dk1"/>
+            </a:effectRef>
+            <a:fontRef idx="minor">
+              <a:schemeClr val="dk1"/>
+            </a:fontRef>
+          </p:style>
+          <p:txBody>
+            <a:bodyPr rtlCol="0" anchor="ctr"/>
+            <a:lstStyle/>
+            <a:p>
+              <a:pPr algn="ctr"/>
+              <a:r>
+                <a:rPr lang="en-US" sz="1400" dirty="0">
+                  <a:solidFill>
+                    <a:schemeClr val="accent1">
+                      <a:lumMod val="50000"/>
+                    </a:schemeClr>
+                  </a:solidFill>
+                </a:rPr>
+                <a:t>mic component </a:t>
+              </a:r>
+              <a:r>
+                <a:rPr lang="en-US" sz="1400" dirty="0" smtClean="0">
+                  <a:solidFill>
+                    <a:schemeClr val="accent1">
+                      <a:lumMod val="50000"/>
+                    </a:schemeClr>
+                  </a:solidFill>
+                </a:rPr>
+                <a:t>upload</a:t>
+              </a:r>
+              <a:endParaRPr lang="en-US" sz="1400" dirty="0">
+                <a:solidFill>
+                  <a:schemeClr val="accent1">
+                    <a:lumMod val="50000"/>
+                  </a:schemeClr>
+                </a:solidFill>
+              </a:endParaRPr>
+            </a:p>
+          </p:txBody>
+        </p:sp>
+        <p:sp>
+          <p:nvSpPr>
+            <p:cNvPr id="44" name="Pentagon 43"/>
+            <p:cNvSpPr/>
+            <p:nvPr/>
+          </p:nvSpPr>
+          <p:spPr>
+            <a:xfrm>
+              <a:off x="8665014" y="4274278"/>
+              <a:ext cx="1663382" cy="705660"/>
+            </a:xfrm>
+            <a:prstGeom prst="homePlate">
+              <a:avLst>
+                <a:gd name="adj" fmla="val 23947"/>
+              </a:avLst>
+            </a:prstGeom>
+            <a:solidFill>
+              <a:schemeClr val="accent1">
+                <a:lumMod val="20000"/>
+                <a:lumOff val="80000"/>
+              </a:schemeClr>
+            </a:solidFill>
+            <a:ln w="28575">
+              <a:solidFill>
+                <a:schemeClr val="accent1">
+                  <a:lumMod val="75000"/>
+                </a:schemeClr>
+              </a:solidFill>
+            </a:ln>
+          </p:spPr>
+          <p:style>
+            <a:lnRef idx="2">
+              <a:schemeClr val="dk1"/>
+            </a:lnRef>
+            <a:fillRef idx="1">
+              <a:schemeClr val="lt1"/>
+            </a:fillRef>
+            <a:effectRef idx="0">
+              <a:schemeClr val="dk1"/>
+            </a:effectRef>
+            <a:fontRef idx="minor">
+              <a:schemeClr val="dk1"/>
+            </a:fontRef>
+          </p:style>
+          <p:txBody>
+            <a:bodyPr rtlCol="0" anchor="ctr"/>
+            <a:lstStyle/>
+            <a:p>
+              <a:pPr algn="ctr"/>
+              <a:r>
+                <a:rPr lang="en-US" sz="1400" dirty="0">
+                  <a:solidFill>
+                    <a:schemeClr val="accent1">
+                      <a:lumMod val="50000"/>
+                    </a:schemeClr>
+                  </a:solidFill>
+                </a:rPr>
+                <a:t>mic image upload</a:t>
+              </a:r>
+              <a:endParaRPr lang="en-US" sz="1400" dirty="0">
+                <a:solidFill>
+                  <a:schemeClr val="accent1">
+                    <a:lumMod val="50000"/>
+                  </a:schemeClr>
+                </a:solidFill>
+              </a:endParaRPr>
+            </a:p>
+          </p:txBody>
+        </p:sp>
       </p:grpSp>
     </p:spTree>
     <p:extLst>
